--- a/cmsc125/ostep/slides/02.Concurrency/32.Common_Concurrency_Problems.pptx
+++ b/cmsc125/ostep/slides/02.Concurrency/32.Common_Concurrency_Problems.pptx
@@ -265,7 +265,7 @@
           <a:p>
             <a:fld id="{050F0499-AE52-4672-879B-3107B2FC2A9F}" type="datetimeFigureOut">
               <a:rPr lang="ko-KR" altLang="en-US" smtClean="0"/>
-              <a:t>2021-07-21</a:t>
+              <a:t>2021-12-29</a:t>
             </a:fld>
             <a:endParaRPr lang="ko-KR" altLang="en-US"/>
           </a:p>
@@ -1718,10 +1718,7 @@
               <a:rPr lang="en-US" altLang="ko-KR" u="sng" dirty="0"/>
               <a:t>flipped</a:t>
             </a:r>
-            <a:r>
-              <a:rPr lang="en-US" altLang="ko-KR" dirty="0"/>
-              <a:t>.</a:t>
-            </a:r>
+            <a:endParaRPr lang="en-US" altLang="ko-KR" dirty="0"/>
           </a:p>
           <a:p>
             <a:pPr lvl="1"/>
@@ -1749,7 +1746,7 @@
             </a:r>
             <a:r>
               <a:rPr lang="en-US" altLang="ko-KR" dirty="0"/>
-              <a:t>, but the order is not enforced during execution.</a:t>
+              <a:t>, but the order is not enforced during execution</a:t>
             </a:r>
           </a:p>
           <a:p>
@@ -1797,7 +1794,7 @@
             </a:r>
             <a:r>
               <a:rPr lang="en-US" altLang="ko-KR" dirty="0"/>
-              <a:t>).</a:t>
+              <a:t>)</a:t>
             </a:r>
           </a:p>
           <a:p>
@@ -4128,10 +4125,7 @@
               </a:rPr>
               <a:t>L2</a:t>
             </a:r>
-            <a:r>
-              <a:rPr lang="en-US" altLang="ko-KR" dirty="0"/>
-              <a:t>.</a:t>
-            </a:r>
+            <a:endParaRPr lang="en-US" altLang="ko-KR" dirty="0"/>
           </a:p>
           <a:p>
             <a:pPr lvl="2"/>
@@ -4166,7 +4160,7 @@
             </a:r>
             <a:r>
               <a:rPr lang="en-US" altLang="ko-KR" dirty="0"/>
-              <a:t> to be release.</a:t>
+              <a:t> to be released</a:t>
             </a:r>
           </a:p>
           <a:p>
@@ -5007,7 +5001,14 @@
             </a:r>
             <a:r>
               <a:rPr lang="en-US" altLang="ko-KR" dirty="0"/>
-              <a:t>arise between components.</a:t>
+              <a:t>arise between components</a:t>
+            </a:r>
+          </a:p>
+          <a:p>
+            <a:pPr lvl="2"/>
+            <a:r>
+              <a:rPr lang="en-US" altLang="ko-KR" dirty="0"/>
+              <a:t>In an OS for example: VM subsystem talks to Filesystem then Filesystem talks to VM subsystem</a:t>
             </a:r>
           </a:p>
           <a:p>
@@ -5041,7 +5042,7 @@
             <a:pPr lvl="2"/>
             <a:r>
               <a:rPr lang="en-US" altLang="ko-KR" dirty="0"/>
-              <a:t>Hide details of implementations and make software easier to build in a modular way.</a:t>
+              <a:t>Hide details of implementations and make software easier to build in a modular way</a:t>
             </a:r>
           </a:p>
           <a:p>
@@ -5075,10 +5076,6 @@
             <a:r>
               <a:rPr lang="en-US" altLang="ko-KR" u="sng" dirty="0"/>
               <a:t>locking</a:t>
-            </a:r>
-            <a:r>
-              <a:rPr lang="en-US" altLang="ko-KR" dirty="0"/>
-              <a:t>.</a:t>
             </a:r>
           </a:p>
         </p:txBody>
@@ -5167,7 +5164,7 @@
                 <a:latin typeface="Courier New" panose="02070309020205020404" pitchFamily="49" charset="0"/>
                 <a:cs typeface="Courier New" panose="02070309020205020404" pitchFamily="49" charset="0"/>
               </a:rPr>
-              <a:t>AddAll</a:t>
+              <a:t>addAll</a:t>
             </a:r>
             <a:r>
               <a:rPr lang="en-US" altLang="ko-KR" dirty="0">
@@ -5217,18 +5214,15 @@
             </a:r>
             <a:r>
               <a:rPr lang="en-US" altLang="ko-KR" i="1" dirty="0"/>
-              <a:t>need to be acquired</a:t>
-            </a:r>
+              <a:t>need to be acquired (Vector class is thread-safe)</a:t>
+            </a:r>
+            <a:endParaRPr lang="en-US" altLang="ko-KR" dirty="0"/>
+          </a:p>
+          <a:p>
+            <a:pPr lvl="2"/>
             <a:r>
               <a:rPr lang="en-US" altLang="ko-KR" dirty="0"/>
-              <a:t>.</a:t>
-            </a:r>
-          </a:p>
-          <a:p>
-            <a:pPr lvl="2"/>
-            <a:r>
-              <a:rPr lang="en-US" altLang="ko-KR" dirty="0"/>
-              <a:t>The routine acquires said locks in some arbitrary order (v1 then v2).</a:t>
+              <a:t>The routine acquires said locks in some arbitrary order (v1 then v2)</a:t>
             </a:r>
           </a:p>
           <a:p>
@@ -5242,7 +5236,7 @@
                 <a:latin typeface="Courier New" panose="02070309020205020404" pitchFamily="49" charset="0"/>
                 <a:cs typeface="Courier New" panose="02070309020205020404" pitchFamily="49" charset="0"/>
               </a:rPr>
-              <a:t>calls v2.AddAll(v1) </a:t>
+              <a:t>calls v2.addAll(v1) </a:t>
             </a:r>
             <a:r>
               <a:rPr lang="en-US" altLang="ko-KR" dirty="0"/>
@@ -5264,12 +5258,6 @@
                 <a:sym typeface="Wingdings" panose="05000000000000000000" pitchFamily="2" charset="2"/>
               </a:rPr>
               <a:t>deadlock</a:t>
-            </a:r>
-            <a:r>
-              <a:rPr lang="en-US" altLang="ko-KR" dirty="0">
-                <a:sym typeface="Wingdings" panose="05000000000000000000" pitchFamily="2" charset="2"/>
-              </a:rPr>
-              <a:t>.</a:t>
             </a:r>
             <a:endParaRPr lang="en-US" altLang="ko-KR" dirty="0"/>
           </a:p>
@@ -5449,7 +5437,7 @@
                 <a:latin typeface="Courier New" pitchFamily="49" charset="0"/>
                 <a:cs typeface="Courier New" pitchFamily="49" charset="0"/>
               </a:rPr>
-              <a:t> v1.AddAll(v2);</a:t>
+              <a:t> v1.addAll(v2);</a:t>
             </a:r>
           </a:p>
         </p:txBody>
@@ -5559,10 +5547,7 @@
               <a:rPr lang="en-US" altLang="ko-KR" b="1" dirty="0"/>
               <a:t>deadlock cannot occur</a:t>
             </a:r>
-            <a:r>
-              <a:rPr lang="en-US" altLang="ko-KR" dirty="0"/>
-              <a:t>.</a:t>
-            </a:r>
+            <a:endParaRPr lang="en-US" altLang="ko-KR" dirty="0"/>
           </a:p>
           <a:p>
             <a:pPr lvl="1"/>
@@ -5576,7 +5561,13 @@
           <p:cNvGraphicFramePr>
             <a:graphicFrameLocks noGrp="1"/>
           </p:cNvGraphicFramePr>
-          <p:nvPr/>
+          <p:nvPr>
+            <p:extLst>
+              <p:ext uri="{D42A27DB-BD31-4B8C-83A1-F6EECF244321}">
+                <p14:modId xmlns:p14="http://schemas.microsoft.com/office/powerpoint/2010/main" val="965025199"/>
+              </p:ext>
+            </p:extLst>
+          </p:nvPr>
         </p:nvGraphicFramePr>
         <p:xfrm>
           <a:off x="2135560" y="1556793"/>
@@ -5616,7 +5607,7 @@
                           <a:solidFill>
                             <a:schemeClr val="bg1"/>
                           </a:solidFill>
-                          <a:latin typeface="맑은 고딕" pitchFamily="50" charset="-127"/>
+                          <a:latin typeface="Oswald" pitchFamily="2" charset="0"/>
                           <a:ea typeface="맑은 고딕" pitchFamily="50" charset="-127"/>
                         </a:rPr>
                         <a:t>Condition</a:t>
@@ -5625,7 +5616,7 @@
                         <a:solidFill>
                           <a:schemeClr val="bg1"/>
                         </a:solidFill>
-                        <a:latin typeface="맑은 고딕" pitchFamily="50" charset="-127"/>
+                        <a:latin typeface="Oswald" pitchFamily="2" charset="0"/>
                         <a:ea typeface="맑은 고딕" pitchFamily="50" charset="-127"/>
                       </a:endParaRPr>
                     </a:p>
@@ -5694,7 +5685,7 @@
                           <a:solidFill>
                             <a:schemeClr val="bg1"/>
                           </a:solidFill>
-                          <a:latin typeface="맑은 고딕" pitchFamily="50" charset="-127"/>
+                          <a:latin typeface="Oswald" pitchFamily="2" charset="0"/>
                           <a:ea typeface="맑은 고딕" pitchFamily="50" charset="-127"/>
                         </a:rPr>
                         <a:t>Description</a:t>
@@ -5703,7 +5694,7 @@
                         <a:solidFill>
                           <a:schemeClr val="bg1"/>
                         </a:solidFill>
-                        <a:latin typeface="맑은 고딕" pitchFamily="50" charset="-127"/>
+                        <a:latin typeface="Oswald" pitchFamily="2" charset="0"/>
                         <a:ea typeface="맑은 고딕" pitchFamily="50" charset="-127"/>
                       </a:endParaRPr>
                     </a:p>
@@ -5775,20 +5766,20 @@
                     <a:p>
                       <a:pPr latinLnBrk="1"/>
                       <a:r>
-                        <a:rPr lang="en-US" altLang="ko-KR" sz="1400" b="0" dirty="0">
+                        <a:rPr lang="en-US" altLang="ko-KR" sz="1400" b="1" dirty="0">
                           <a:solidFill>
                             <a:schemeClr val="tx1"/>
                           </a:solidFill>
-                          <a:latin typeface="맑은 고딕" pitchFamily="50" charset="-127"/>
+                          <a:latin typeface="Oswald" pitchFamily="2" charset="0"/>
                           <a:ea typeface="맑은 고딕" pitchFamily="50" charset="-127"/>
                         </a:rPr>
                         <a:t>Mutual Exclusion</a:t>
                       </a:r>
-                      <a:endParaRPr lang="ko-KR" altLang="en-US" sz="1400" b="0" dirty="0">
+                      <a:endParaRPr lang="ko-KR" altLang="en-US" sz="1400" b="1" dirty="0">
                         <a:solidFill>
                           <a:schemeClr val="tx1"/>
                         </a:solidFill>
-                        <a:latin typeface="맑은 고딕" pitchFamily="50" charset="-127"/>
+                        <a:latin typeface="Oswald" pitchFamily="2" charset="0"/>
                         <a:ea typeface="맑은 고딕" pitchFamily="50" charset="-127"/>
                       </a:endParaRPr>
                     </a:p>
@@ -5852,7 +5843,7 @@
                           <a:solidFill>
                             <a:schemeClr val="tx1"/>
                           </a:solidFill>
-                          <a:latin typeface="맑은 고딕" pitchFamily="50" charset="-127"/>
+                          <a:latin typeface="Oswald" pitchFamily="2" charset="0"/>
                           <a:ea typeface="맑은 고딕" pitchFamily="50" charset="-127"/>
                         </a:rPr>
                         <a:t>Threads claim exclusive control of resources</a:t>
@@ -5862,16 +5853,16 @@
                           <a:solidFill>
                             <a:schemeClr val="tx1"/>
                           </a:solidFill>
-                          <a:latin typeface="맑은 고딕" pitchFamily="50" charset="-127"/>
+                          <a:latin typeface="Oswald" pitchFamily="2" charset="0"/>
                           <a:ea typeface="맑은 고딕" pitchFamily="50" charset="-127"/>
                         </a:rPr>
-                        <a:t> that they require.</a:t>
+                        <a:t> that they require</a:t>
                       </a:r>
                       <a:endParaRPr lang="ko-KR" altLang="en-US" sz="1400" b="0" dirty="0">
                         <a:solidFill>
                           <a:schemeClr val="tx1"/>
                         </a:solidFill>
-                        <a:latin typeface="맑은 고딕" pitchFamily="50" charset="-127"/>
+                        <a:latin typeface="Oswald" pitchFamily="2" charset="0"/>
                         <a:ea typeface="맑은 고딕" pitchFamily="50" charset="-127"/>
                       </a:endParaRPr>
                     </a:p>
@@ -5938,30 +5929,30 @@
                     <a:p>
                       <a:pPr latinLnBrk="1"/>
                       <a:r>
-                        <a:rPr lang="en-US" altLang="ko-KR" sz="1400" b="0" dirty="0">
+                        <a:rPr lang="en-US" altLang="ko-KR" sz="1400" b="1" dirty="0">
                           <a:solidFill>
                             <a:schemeClr val="tx1"/>
                           </a:solidFill>
-                          <a:latin typeface="맑은 고딕" pitchFamily="50" charset="-127"/>
+                          <a:latin typeface="Oswald" pitchFamily="2" charset="0"/>
                           <a:ea typeface="맑은 고딕" pitchFamily="50" charset="-127"/>
                         </a:rPr>
                         <a:t>Hold</a:t>
                       </a:r>
                       <a:r>
-                        <a:rPr lang="en-US" altLang="ko-KR" sz="1400" b="0" baseline="0" dirty="0">
+                        <a:rPr lang="en-US" altLang="ko-KR" sz="1400" b="1" baseline="0" dirty="0">
                           <a:solidFill>
                             <a:schemeClr val="tx1"/>
                           </a:solidFill>
-                          <a:latin typeface="맑은 고딕" pitchFamily="50" charset="-127"/>
+                          <a:latin typeface="Oswald" pitchFamily="2" charset="0"/>
                           <a:ea typeface="맑은 고딕" pitchFamily="50" charset="-127"/>
                         </a:rPr>
                         <a:t>-and-wait</a:t>
                       </a:r>
-                      <a:endParaRPr lang="ko-KR" altLang="en-US" sz="1400" b="0" dirty="0">
+                      <a:endParaRPr lang="ko-KR" altLang="en-US" sz="1400" b="1" dirty="0">
                         <a:solidFill>
                           <a:schemeClr val="tx1"/>
                         </a:solidFill>
-                        <a:latin typeface="맑은 고딕" pitchFamily="50" charset="-127"/>
+                        <a:latin typeface="Oswald" pitchFamily="2" charset="0"/>
                         <a:ea typeface="맑은 고딕" pitchFamily="50" charset="-127"/>
                       </a:endParaRPr>
                     </a:p>
@@ -6025,7 +6016,7 @@
                           <a:solidFill>
                             <a:schemeClr val="tx1"/>
                           </a:solidFill>
-                          <a:latin typeface="맑은 고딕" pitchFamily="50" charset="-127"/>
+                          <a:latin typeface="Oswald" pitchFamily="2" charset="0"/>
                           <a:ea typeface="맑은 고딕" pitchFamily="50" charset="-127"/>
                         </a:rPr>
                         <a:t>Threads hold</a:t>
@@ -6035,7 +6026,7 @@
                           <a:solidFill>
                             <a:schemeClr val="tx1"/>
                           </a:solidFill>
-                          <a:latin typeface="맑은 고딕" pitchFamily="50" charset="-127"/>
+                          <a:latin typeface="Oswald" pitchFamily="2" charset="0"/>
                           <a:ea typeface="맑은 고딕" pitchFamily="50" charset="-127"/>
                         </a:rPr>
                         <a:t> resources allocated to them while waiting for additional resources</a:t>
@@ -6044,7 +6035,7 @@
                         <a:solidFill>
                           <a:schemeClr val="tx1"/>
                         </a:solidFill>
-                        <a:latin typeface="맑은 고딕" pitchFamily="50" charset="-127"/>
+                        <a:latin typeface="Oswald" pitchFamily="2" charset="0"/>
                         <a:ea typeface="맑은 고딕" pitchFamily="50" charset="-127"/>
                       </a:endParaRPr>
                     </a:p>
@@ -6111,20 +6102,20 @@
                     <a:p>
                       <a:pPr latinLnBrk="1"/>
                       <a:r>
-                        <a:rPr lang="en-US" altLang="ko-KR" sz="1400" b="0" dirty="0">
+                        <a:rPr lang="en-US" altLang="ko-KR" sz="1400" b="1" dirty="0">
                           <a:solidFill>
                             <a:schemeClr val="tx1"/>
                           </a:solidFill>
-                          <a:latin typeface="맑은 고딕" pitchFamily="50" charset="-127"/>
+                          <a:latin typeface="Oswald" pitchFamily="2" charset="0"/>
                           <a:ea typeface="맑은 고딕" pitchFamily="50" charset="-127"/>
                         </a:rPr>
                         <a:t>No preemption</a:t>
                       </a:r>
-                      <a:endParaRPr lang="ko-KR" altLang="en-US" sz="1400" b="0" dirty="0">
+                      <a:endParaRPr lang="ko-KR" altLang="en-US" sz="1400" b="1" dirty="0">
                         <a:solidFill>
                           <a:schemeClr val="tx1"/>
                         </a:solidFill>
-                        <a:latin typeface="맑은 고딕" pitchFamily="50" charset="-127"/>
+                        <a:latin typeface="Oswald" pitchFamily="2" charset="0"/>
                         <a:ea typeface="맑은 고딕" pitchFamily="50" charset="-127"/>
                       </a:endParaRPr>
                     </a:p>
@@ -6188,7 +6179,7 @@
                           <a:solidFill>
                             <a:schemeClr val="tx1"/>
                           </a:solidFill>
-                          <a:latin typeface="맑은 고딕" pitchFamily="50" charset="-127"/>
+                          <a:latin typeface="Oswald" pitchFamily="2" charset="0"/>
                           <a:ea typeface="맑은 고딕" pitchFamily="50" charset="-127"/>
                         </a:rPr>
                         <a:t>Resources</a:t>
@@ -6198,16 +6189,16 @@
                           <a:solidFill>
                             <a:schemeClr val="tx1"/>
                           </a:solidFill>
-                          <a:latin typeface="맑은 고딕" pitchFamily="50" charset="-127"/>
+                          <a:latin typeface="Oswald" pitchFamily="2" charset="0"/>
                           <a:ea typeface="맑은 고딕" pitchFamily="50" charset="-127"/>
                         </a:rPr>
-                        <a:t> cannot be forcibly removed from threads that are holding them.</a:t>
+                        <a:t> cannot be forcibly removed from threads that are holding them</a:t>
                       </a:r>
                       <a:endParaRPr lang="ko-KR" altLang="en-US" sz="1400" b="0" dirty="0">
                         <a:solidFill>
                           <a:schemeClr val="tx1"/>
                         </a:solidFill>
-                        <a:latin typeface="맑은 고딕" pitchFamily="50" charset="-127"/>
+                        <a:latin typeface="Oswald" pitchFamily="2" charset="0"/>
                         <a:ea typeface="맑은 고딕" pitchFamily="50" charset="-127"/>
                       </a:endParaRPr>
                     </a:p>
@@ -6274,30 +6265,30 @@
                     <a:p>
                       <a:pPr latinLnBrk="1"/>
                       <a:r>
-                        <a:rPr lang="en-US" altLang="ko-KR" sz="1400" b="0" dirty="0">
+                        <a:rPr lang="en-US" altLang="ko-KR" sz="1400" b="1" dirty="0">
                           <a:solidFill>
                             <a:schemeClr val="tx1"/>
                           </a:solidFill>
-                          <a:latin typeface="맑은 고딕" pitchFamily="50" charset="-127"/>
+                          <a:latin typeface="Oswald" pitchFamily="2" charset="0"/>
                           <a:ea typeface="맑은 고딕" pitchFamily="50" charset="-127"/>
                         </a:rPr>
                         <a:t>Circular</a:t>
                       </a:r>
                       <a:r>
-                        <a:rPr lang="en-US" altLang="ko-KR" sz="1400" b="0" baseline="0" dirty="0">
+                        <a:rPr lang="en-US" altLang="ko-KR" sz="1400" b="1" baseline="0" dirty="0">
                           <a:solidFill>
                             <a:schemeClr val="tx1"/>
                           </a:solidFill>
-                          <a:latin typeface="맑은 고딕" pitchFamily="50" charset="-127"/>
+                          <a:latin typeface="Oswald" pitchFamily="2" charset="0"/>
                           <a:ea typeface="맑은 고딕" pitchFamily="50" charset="-127"/>
                         </a:rPr>
                         <a:t> wait</a:t>
                       </a:r>
-                      <a:endParaRPr lang="ko-KR" altLang="en-US" sz="1400" b="0" dirty="0">
+                      <a:endParaRPr lang="ko-KR" altLang="en-US" sz="1400" b="1" dirty="0">
                         <a:solidFill>
                           <a:schemeClr val="tx1"/>
                         </a:solidFill>
-                        <a:latin typeface="맑은 고딕" pitchFamily="50" charset="-127"/>
+                        <a:latin typeface="Oswald" pitchFamily="2" charset="0"/>
                         <a:ea typeface="맑은 고딕" pitchFamily="50" charset="-127"/>
                       </a:endParaRPr>
                     </a:p>
@@ -6361,7 +6352,7 @@
                           <a:solidFill>
                             <a:schemeClr val="tx1"/>
                           </a:solidFill>
-                          <a:latin typeface="맑은 고딕" pitchFamily="50" charset="-127"/>
+                          <a:latin typeface="Oswald" pitchFamily="2" charset="0"/>
                           <a:ea typeface="맑은 고딕" pitchFamily="50" charset="-127"/>
                         </a:rPr>
                         <a:t>There exists a circular chain of threads such</a:t>
@@ -6371,7 +6362,7 @@
                           <a:solidFill>
                             <a:schemeClr val="tx1"/>
                           </a:solidFill>
-                          <a:latin typeface="맑은 고딕" pitchFamily="50" charset="-127"/>
+                          <a:latin typeface="Oswald" pitchFamily="2" charset="0"/>
                           <a:ea typeface="맑은 고딕" pitchFamily="50" charset="-127"/>
                         </a:rPr>
                         <a:t> that each thread holds one more resources that are being requested by the next thread in the chain</a:t>
@@ -6380,7 +6371,7 @@
                         <a:solidFill>
                           <a:schemeClr val="tx1"/>
                         </a:solidFill>
-                        <a:latin typeface="맑은 고딕" pitchFamily="50" charset="-127"/>
+                        <a:latin typeface="Oswald" pitchFamily="2" charset="0"/>
                         <a:ea typeface="맑은 고딕" pitchFamily="50" charset="-127"/>
                       </a:endParaRPr>
                     </a:p>
@@ -6545,7 +6536,7 @@
             </a:r>
             <a:r>
               <a:rPr lang="en-US" altLang="ko-KR" dirty="0"/>
-              <a:t>of global locking strategies.</a:t>
+              <a:t>of global locking strategies</a:t>
             </a:r>
           </a:p>
           <a:p>
@@ -6569,7 +6560,7 @@
             <a:pPr lvl="1"/>
             <a:r>
               <a:rPr lang="en-US" altLang="ko-KR" dirty="0"/>
-              <a:t>We can prevent deadlock by always acquiring L1 before L2.</a:t>
+              <a:t>We can prevent deadlock by always acquiring L1 before L2</a:t>
             </a:r>
           </a:p>
           <a:p>
@@ -6677,10 +6668,7 @@
               </a:rPr>
               <a:t>atomically</a:t>
             </a:r>
-            <a:r>
-              <a:rPr lang="en-US" altLang="ko-KR" dirty="0"/>
-              <a:t>.</a:t>
-            </a:r>
+            <a:endParaRPr lang="en-US" altLang="ko-KR" dirty="0"/>
           </a:p>
           <a:p>
             <a:endParaRPr lang="en-US" altLang="ko-KR" dirty="0"/>
@@ -6707,7 +6695,7 @@
             </a:r>
             <a:r>
               <a:rPr lang="en-US" altLang="ko-KR" dirty="0"/>
-              <a:t> lock acquisition.</a:t>
+              <a:t> lock acquisition</a:t>
             </a:r>
           </a:p>
           <a:p>
@@ -6725,7 +6713,7 @@
             <a:pPr lvl="2"/>
             <a:r>
               <a:rPr lang="en-US" altLang="ko-KR" dirty="0"/>
-              <a:t>Require us to know when calling a routine exactly which locks must be held and to acquire them ahead of time.</a:t>
+              <a:t>Require us to know when calling a routine exactly which locks must be held and to acquire them ahead of time</a:t>
             </a:r>
           </a:p>
           <a:p>
@@ -7030,10 +7018,7 @@
               </a:rPr>
               <a:t>we are holding another</a:t>
             </a:r>
-            <a:r>
-              <a:rPr lang="en-US" altLang="ko-KR" dirty="0"/>
-              <a:t>.</a:t>
-            </a:r>
+            <a:endParaRPr lang="en-US" altLang="ko-KR" dirty="0"/>
           </a:p>
           <a:p>
             <a:r>
@@ -7081,21 +7066,21 @@
               <a:rPr lang="en-US" altLang="ko-KR" dirty="0">
                 <a:cs typeface="Courier New" panose="02070309020205020404" pitchFamily="49" charset="0"/>
               </a:rPr>
-              <a:t> lock acquisition protocol.</a:t>
+              <a:t> lock acquisition protocol</a:t>
             </a:r>
           </a:p>
           <a:p>
             <a:pPr lvl="1"/>
             <a:r>
               <a:rPr lang="en-US" altLang="ko-KR" dirty="0"/>
-              <a:t>Grab the lock (if it is available).</a:t>
+              <a:t>Grab the lock (if it is available)</a:t>
             </a:r>
           </a:p>
           <a:p>
             <a:pPr lvl="1"/>
             <a:r>
               <a:rPr lang="en-US" altLang="ko-KR" dirty="0"/>
-              <a:t>Or, return -1: you should try again later.</a:t>
+              <a:t>Or, return -1: you should try again later</a:t>
             </a:r>
             <a:endParaRPr lang="ko-KR" altLang="en-US" dirty="0"/>
           </a:p>
@@ -7671,35 +7656,31 @@
           <a:lstStyle/>
           <a:p>
             <a:r>
-              <a:rPr lang="en-US" altLang="ko-KR" dirty="0" err="1"/>
+              <a:rPr lang="en-US" altLang="ko-KR" b="1" dirty="0" err="1"/>
               <a:t>livelock</a:t>
             </a:r>
-            <a:endParaRPr lang="en-US" altLang="ko-KR" dirty="0"/>
+            <a:endParaRPr lang="en-US" altLang="ko-KR" b="1" dirty="0"/>
           </a:p>
           <a:p>
             <a:pPr lvl="1"/>
             <a:r>
               <a:rPr lang="en-US" altLang="ko-KR" dirty="0"/>
-              <a:t>Both systems are running through the code sequence </a:t>
+              <a:t>Two threads might be running through the code sequence(acquiring the lock) </a:t>
             </a:r>
             <a:r>
               <a:rPr lang="en-US" altLang="ko-KR" i="1" dirty="0"/>
-              <a:t>over and over again</a:t>
+              <a:t>over and over again </a:t>
             </a:r>
             <a:r>
               <a:rPr lang="en-US" altLang="ko-KR" dirty="0"/>
-              <a:t>.</a:t>
+              <a:t>but failing to acquire the lock</a:t>
             </a:r>
           </a:p>
           <a:p>
             <a:pPr lvl="1"/>
             <a:r>
-              <a:rPr lang="en-US" altLang="ko-KR" u="sng" dirty="0"/>
-              <a:t>Progress is not being made</a:t>
-            </a:r>
-            <a:r>
               <a:rPr lang="en-US" altLang="ko-KR" dirty="0"/>
-              <a:t>.</a:t>
+              <a:t>Progress is not being made though</a:t>
             </a:r>
           </a:p>
           <a:p>
@@ -7721,7 +7702,7 @@
             </a:r>
             <a:r>
               <a:rPr lang="en-US" altLang="ko-KR" dirty="0"/>
-              <a:t>before looping back and trying the entire thing over again.</a:t>
+              <a:t>before looping back and trying the entire thing over again</a:t>
             </a:r>
             <a:endParaRPr lang="ko-KR" altLang="en-US" dirty="0"/>
           </a:p>
@@ -7800,7 +7781,7 @@
           <a:p>
             <a:r>
               <a:rPr lang="en-US" altLang="ko-KR" dirty="0"/>
-              <a:t>wait-free</a:t>
+              <a:t>Lock-free/wait-free</a:t>
             </a:r>
           </a:p>
           <a:p>
@@ -7817,12 +7798,9 @@
                   </a:schemeClr>
                 </a:solidFill>
               </a:rPr>
-              <a:t>hardware instruction</a:t>
-            </a:r>
-            <a:r>
-              <a:rPr lang="en-US" altLang="ko-KR" dirty="0"/>
-              <a:t>.</a:t>
-            </a:r>
+              <a:t>hardware instructions (atomic)</a:t>
+            </a:r>
+            <a:endParaRPr lang="en-US" altLang="ko-KR" dirty="0"/>
           </a:p>
           <a:p>
             <a:pPr lvl="1"/>
@@ -7838,10 +7816,7 @@
               <a:rPr lang="en-US" altLang="ko-KR" u="sng" dirty="0"/>
               <a:t>explicit locking</a:t>
             </a:r>
-            <a:r>
-              <a:rPr lang="en-US" altLang="ko-KR" dirty="0"/>
-              <a:t>.</a:t>
-            </a:r>
+            <a:endParaRPr lang="en-US" altLang="ko-KR" dirty="0"/>
           </a:p>
           <a:p>
             <a:pPr lvl="1"/>
@@ -8443,7 +8418,7 @@
             </a:r>
             <a:r>
               <a:rPr lang="en-US" altLang="ko-KR" dirty="0"/>
-              <a:t> to do so.</a:t>
+              <a:t> to do so</a:t>
             </a:r>
           </a:p>
           <a:p>
@@ -8480,7 +8455,7 @@
             </a:r>
             <a:r>
               <a:rPr lang="en-US" altLang="ko-KR" dirty="0"/>
-              <a:t> is still a possibility.</a:t>
+              <a:t> is still a possibility</a:t>
             </a:r>
             <a:endParaRPr lang="ko-KR" altLang="en-US" dirty="0"/>
           </a:p>
@@ -9020,10 +8995,7 @@
               </a:rPr>
               <a:t>race condition</a:t>
             </a:r>
-            <a:r>
-              <a:rPr lang="en-US" altLang="ko-KR" dirty="0"/>
-              <a:t>.</a:t>
-            </a:r>
+            <a:endParaRPr lang="en-US" altLang="ko-KR" dirty="0"/>
           </a:p>
         </p:txBody>
       </p:sp>
@@ -9521,10 +9493,7 @@
               </a:rPr>
               <a:t>release</a:t>
             </a:r>
-            <a:r>
-              <a:rPr lang="en-US" altLang="ko-KR" dirty="0"/>
-              <a:t>.</a:t>
-            </a:r>
+            <a:endParaRPr lang="en-US" altLang="ko-KR" dirty="0"/>
           </a:p>
           <a:p>
             <a:endParaRPr lang="en-US" altLang="ko-KR" dirty="0"/>
@@ -10592,7 +10561,7 @@
             </a:r>
             <a:r>
               <a:rPr lang="en-US" altLang="ko-KR" dirty="0"/>
-              <a:t>is preferable.</a:t>
+              <a:t>is preferable</a:t>
             </a:r>
           </a:p>
           <a:p>
@@ -10610,7 +10579,7 @@
             <a:pPr lvl="2"/>
             <a:r>
               <a:rPr lang="en-US" altLang="ko-KR" dirty="0"/>
-              <a:t>Which locks various threads might grab during their execution.</a:t>
+              <a:t>Which locks various threads might grab during their execution</a:t>
             </a:r>
           </a:p>
           <a:p>
@@ -10625,7 +10594,7 @@
             </a:r>
             <a:r>
               <a:rPr lang="en-US" altLang="ko-KR" dirty="0"/>
-              <a:t> no deadlock can occur.</a:t>
+              <a:t> no deadlock can occur</a:t>
             </a:r>
             <a:endParaRPr lang="ko-KR" altLang="en-US" dirty="0"/>
           </a:p>
@@ -10704,7 +10673,7 @@
           <a:p>
             <a:r>
               <a:rPr lang="en-US" altLang="ko-KR" dirty="0"/>
-              <a:t>We have two processors and four threads.</a:t>
+              <a:t>We have two processors and four threads</a:t>
             </a:r>
           </a:p>
           <a:p>
@@ -10752,7 +10721,7 @@
             </a:r>
             <a:r>
               <a:rPr lang="en-US" altLang="ko-KR" dirty="0"/>
-              <a:t>could ever arise.</a:t>
+              <a:t>could ever arise</a:t>
             </a:r>
             <a:endParaRPr lang="ko-KR" altLang="en-US" dirty="0"/>
           </a:p>
@@ -10764,7 +10733,13 @@
           <p:cNvGraphicFramePr>
             <a:graphicFrameLocks noGrp="1"/>
           </p:cNvGraphicFramePr>
-          <p:nvPr/>
+          <p:nvPr>
+            <p:extLst>
+              <p:ext uri="{D42A27DB-BD31-4B8C-83A1-F6EECF244321}">
+                <p14:modId xmlns:p14="http://schemas.microsoft.com/office/powerpoint/2010/main" val="1972607035"/>
+              </p:ext>
+            </p:extLst>
+          </p:nvPr>
         </p:nvGraphicFramePr>
         <p:xfrm>
           <a:off x="3215681" y="2082552"/>
@@ -10824,7 +10799,7 @@
                         <a:solidFill>
                           <a:schemeClr val="bg1"/>
                         </a:solidFill>
-                        <a:latin typeface="맑은 고딕" pitchFamily="50" charset="-127"/>
+                        <a:latin typeface="Oswald" pitchFamily="2" charset="0"/>
                         <a:ea typeface="맑은 고딕" pitchFamily="50" charset="-127"/>
                       </a:endParaRPr>
                     </a:p>
@@ -10885,7 +10860,7 @@
                           <a:solidFill>
                             <a:schemeClr val="bg1"/>
                           </a:solidFill>
-                          <a:latin typeface="맑은 고딕" pitchFamily="50" charset="-127"/>
+                          <a:latin typeface="Oswald" pitchFamily="2" charset="0"/>
                           <a:ea typeface="맑은 고딕" pitchFamily="50" charset="-127"/>
                         </a:rPr>
                         <a:t>T1</a:t>
@@ -10894,7 +10869,7 @@
                         <a:solidFill>
                           <a:schemeClr val="bg1"/>
                         </a:solidFill>
-                        <a:latin typeface="맑은 고딕" pitchFamily="50" charset="-127"/>
+                        <a:latin typeface="Oswald" pitchFamily="2" charset="0"/>
                         <a:ea typeface="맑은 고딕" pitchFamily="50" charset="-127"/>
                       </a:endParaRPr>
                     </a:p>
@@ -10955,7 +10930,7 @@
                           <a:solidFill>
                             <a:schemeClr val="bg1"/>
                           </a:solidFill>
-                          <a:latin typeface="맑은 고딕" pitchFamily="50" charset="-127"/>
+                          <a:latin typeface="Oswald" pitchFamily="2" charset="0"/>
                           <a:ea typeface="맑은 고딕" pitchFamily="50" charset="-127"/>
                         </a:rPr>
                         <a:t>T2</a:t>
@@ -10964,7 +10939,7 @@
                         <a:solidFill>
                           <a:schemeClr val="bg1"/>
                         </a:solidFill>
-                        <a:latin typeface="맑은 고딕" pitchFamily="50" charset="-127"/>
+                        <a:latin typeface="Oswald" pitchFamily="2" charset="0"/>
                         <a:ea typeface="맑은 고딕" pitchFamily="50" charset="-127"/>
                       </a:endParaRPr>
                     </a:p>
@@ -11025,7 +11000,7 @@
                           <a:solidFill>
                             <a:schemeClr val="bg1"/>
                           </a:solidFill>
-                          <a:latin typeface="맑은 고딕" pitchFamily="50" charset="-127"/>
+                          <a:latin typeface="Oswald" pitchFamily="2" charset="0"/>
                           <a:ea typeface="맑은 고딕" pitchFamily="50" charset="-127"/>
                         </a:rPr>
                         <a:t>T3</a:t>
@@ -11034,7 +11009,7 @@
                         <a:solidFill>
                           <a:schemeClr val="bg1"/>
                         </a:solidFill>
-                        <a:latin typeface="맑은 고딕" pitchFamily="50" charset="-127"/>
+                        <a:latin typeface="Oswald" pitchFamily="2" charset="0"/>
                         <a:ea typeface="맑은 고딕" pitchFamily="50" charset="-127"/>
                       </a:endParaRPr>
                     </a:p>
@@ -11095,7 +11070,7 @@
                           <a:solidFill>
                             <a:schemeClr val="bg1"/>
                           </a:solidFill>
-                          <a:latin typeface="맑은 고딕" pitchFamily="50" charset="-127"/>
+                          <a:latin typeface="Oswald" pitchFamily="2" charset="0"/>
                           <a:ea typeface="맑은 고딕" pitchFamily="50" charset="-127"/>
                         </a:rPr>
                         <a:t>T4</a:t>
@@ -11104,7 +11079,7 @@
                         <a:solidFill>
                           <a:schemeClr val="bg1"/>
                         </a:solidFill>
-                        <a:latin typeface="맑은 고딕" pitchFamily="50" charset="-127"/>
+                        <a:latin typeface="Oswald" pitchFamily="2" charset="0"/>
                         <a:ea typeface="맑은 고딕" pitchFamily="50" charset="-127"/>
                       </a:endParaRPr>
                     </a:p>
@@ -11172,7 +11147,7 @@
                           <a:solidFill>
                             <a:schemeClr val="tx1"/>
                           </a:solidFill>
-                          <a:latin typeface="맑은 고딕" pitchFamily="50" charset="-127"/>
+                          <a:latin typeface="Oswald" pitchFamily="2" charset="0"/>
                           <a:ea typeface="맑은 고딕" pitchFamily="50" charset="-127"/>
                         </a:rPr>
                         <a:t>L1</a:t>
@@ -11181,7 +11156,7 @@
                         <a:solidFill>
                           <a:schemeClr val="tx1"/>
                         </a:solidFill>
-                        <a:latin typeface="맑은 고딕" pitchFamily="50" charset="-127"/>
+                        <a:latin typeface="Oswald" pitchFamily="2" charset="0"/>
                         <a:ea typeface="맑은 고딕" pitchFamily="50" charset="-127"/>
                       </a:endParaRPr>
                     </a:p>
@@ -11239,7 +11214,7 @@
                           <a:solidFill>
                             <a:schemeClr val="tx1"/>
                           </a:solidFill>
-                          <a:latin typeface="맑은 고딕" pitchFamily="50" charset="-127"/>
+                          <a:latin typeface="Oswald" pitchFamily="2" charset="0"/>
                           <a:ea typeface="맑은 고딕" pitchFamily="50" charset="-127"/>
                         </a:rPr>
                         <a:t>yes</a:t>
@@ -11248,7 +11223,7 @@
                         <a:solidFill>
                           <a:schemeClr val="tx1"/>
                         </a:solidFill>
-                        <a:latin typeface="맑은 고딕" pitchFamily="50" charset="-127"/>
+                        <a:latin typeface="Oswald" pitchFamily="2" charset="0"/>
                         <a:ea typeface="맑은 고딕" pitchFamily="50" charset="-127"/>
                       </a:endParaRPr>
                     </a:p>
@@ -11306,7 +11281,7 @@
                           <a:solidFill>
                             <a:schemeClr val="tx1"/>
                           </a:solidFill>
-                          <a:latin typeface="맑은 고딕" pitchFamily="50" charset="-127"/>
+                          <a:latin typeface="Oswald" pitchFamily="2" charset="0"/>
                           <a:ea typeface="맑은 고딕" pitchFamily="50" charset="-127"/>
                         </a:rPr>
                         <a:t>yes</a:t>
@@ -11315,7 +11290,7 @@
                         <a:solidFill>
                           <a:schemeClr val="tx1"/>
                         </a:solidFill>
-                        <a:latin typeface="맑은 고딕" pitchFamily="50" charset="-127"/>
+                        <a:latin typeface="Oswald" pitchFamily="2" charset="0"/>
                         <a:ea typeface="맑은 고딕" pitchFamily="50" charset="-127"/>
                       </a:endParaRPr>
                     </a:p>
@@ -11373,7 +11348,7 @@
                           <a:solidFill>
                             <a:schemeClr val="tx1"/>
                           </a:solidFill>
-                          <a:latin typeface="맑은 고딕" pitchFamily="50" charset="-127"/>
+                          <a:latin typeface="Oswald" pitchFamily="2" charset="0"/>
                           <a:ea typeface="맑은 고딕" pitchFamily="50" charset="-127"/>
                         </a:rPr>
                         <a:t>no</a:t>
@@ -11449,7 +11424,7 @@
                           <a:solidFill>
                             <a:schemeClr val="tx1"/>
                           </a:solidFill>
-                          <a:latin typeface="맑은 고딕" pitchFamily="50" charset="-127"/>
+                          <a:latin typeface="Oswald" pitchFamily="2" charset="0"/>
                           <a:ea typeface="맑은 고딕" pitchFamily="50" charset="-127"/>
                         </a:rPr>
                         <a:t>no</a:t>
@@ -11516,7 +11491,7 @@
                           <a:solidFill>
                             <a:schemeClr val="tx1"/>
                           </a:solidFill>
-                          <a:latin typeface="맑은 고딕" pitchFamily="50" charset="-127"/>
+                          <a:latin typeface="Oswald" pitchFamily="2" charset="0"/>
                           <a:ea typeface="맑은 고딕" pitchFamily="50" charset="-127"/>
                         </a:rPr>
                         <a:t>L2</a:t>
@@ -11525,7 +11500,7 @@
                         <a:solidFill>
                           <a:schemeClr val="tx1"/>
                         </a:solidFill>
-                        <a:latin typeface="맑은 고딕" pitchFamily="50" charset="-127"/>
+                        <a:latin typeface="Oswald" pitchFamily="2" charset="0"/>
                         <a:ea typeface="맑은 고딕" pitchFamily="50" charset="-127"/>
                       </a:endParaRPr>
                     </a:p>
@@ -11583,7 +11558,7 @@
                           <a:solidFill>
                             <a:schemeClr val="tx1"/>
                           </a:solidFill>
-                          <a:latin typeface="맑은 고딕" pitchFamily="50" charset="-127"/>
+                          <a:latin typeface="Oswald" pitchFamily="2" charset="0"/>
                           <a:ea typeface="맑은 고딕" pitchFamily="50" charset="-127"/>
                         </a:rPr>
                         <a:t>yes</a:t>
@@ -11592,7 +11567,7 @@
                         <a:solidFill>
                           <a:schemeClr val="tx1"/>
                         </a:solidFill>
-                        <a:latin typeface="맑은 고딕" pitchFamily="50" charset="-127"/>
+                        <a:latin typeface="Oswald" pitchFamily="2" charset="0"/>
                         <a:ea typeface="맑은 고딕" pitchFamily="50" charset="-127"/>
                       </a:endParaRPr>
                     </a:p>
@@ -11650,7 +11625,7 @@
                           <a:solidFill>
                             <a:schemeClr val="tx1"/>
                           </a:solidFill>
-                          <a:latin typeface="맑은 고딕" pitchFamily="50" charset="-127"/>
+                          <a:latin typeface="Oswald" pitchFamily="2" charset="0"/>
                           <a:ea typeface="맑은 고딕" pitchFamily="50" charset="-127"/>
                         </a:rPr>
                         <a:t>yes </a:t>
@@ -11659,7 +11634,7 @@
                         <a:solidFill>
                           <a:schemeClr val="tx1"/>
                         </a:solidFill>
-                        <a:latin typeface="맑은 고딕" pitchFamily="50" charset="-127"/>
+                        <a:latin typeface="Oswald" pitchFamily="2" charset="0"/>
                         <a:ea typeface="맑은 고딕" pitchFamily="50" charset="-127"/>
                       </a:endParaRPr>
                     </a:p>
@@ -11717,7 +11692,7 @@
                           <a:solidFill>
                             <a:schemeClr val="tx1"/>
                           </a:solidFill>
-                          <a:latin typeface="맑은 고딕" pitchFamily="50" charset="-127"/>
+                          <a:latin typeface="Oswald" pitchFamily="2" charset="0"/>
                           <a:ea typeface="맑은 고딕" pitchFamily="50" charset="-127"/>
                         </a:rPr>
                         <a:t>yes </a:t>
@@ -11726,7 +11701,7 @@
                         <a:solidFill>
                           <a:schemeClr val="tx1"/>
                         </a:solidFill>
-                        <a:latin typeface="맑은 고딕" pitchFamily="50" charset="-127"/>
+                        <a:latin typeface="Oswald" pitchFamily="2" charset="0"/>
                         <a:ea typeface="맑은 고딕" pitchFamily="50" charset="-127"/>
                       </a:endParaRPr>
                     </a:p>
@@ -11800,7 +11775,7 @@
                           <a:solidFill>
                             <a:schemeClr val="tx1"/>
                           </a:solidFill>
-                          <a:latin typeface="맑은 고딕" pitchFamily="50" charset="-127"/>
+                          <a:latin typeface="Oswald" pitchFamily="2" charset="0"/>
                           <a:ea typeface="맑은 고딕" pitchFamily="50" charset="-127"/>
                         </a:rPr>
                         <a:t>no</a:t>
@@ -12313,7 +12288,7 @@
             </a:r>
             <a:r>
               <a:rPr lang="en-US" altLang="ko-KR" dirty="0"/>
-              <a:t>could ever occur.</a:t>
+              <a:t>could ever occur</a:t>
             </a:r>
           </a:p>
           <a:p>
@@ -12336,7 +12311,7 @@
             <a:pPr lvl="2"/>
             <a:r>
               <a:rPr lang="en-US" altLang="ko-KR" dirty="0"/>
-              <a:t>The total time to complete the jobs is lengthened considerably.</a:t>
+              <a:t>The total time to complete the jobs is lengthened considerably</a:t>
             </a:r>
           </a:p>
           <a:p>
@@ -12357,7 +12332,13 @@
           <p:cNvGraphicFramePr>
             <a:graphicFrameLocks noGrp="1"/>
           </p:cNvGraphicFramePr>
-          <p:nvPr/>
+          <p:nvPr>
+            <p:extLst>
+              <p:ext uri="{D42A27DB-BD31-4B8C-83A1-F6EECF244321}">
+                <p14:modId xmlns:p14="http://schemas.microsoft.com/office/powerpoint/2010/main" val="554282365"/>
+              </p:ext>
+            </p:extLst>
+          </p:nvPr>
         </p:nvGraphicFramePr>
         <p:xfrm>
           <a:off x="3431706" y="1650504"/>
@@ -12417,7 +12398,7 @@
                         <a:solidFill>
                           <a:schemeClr val="bg1"/>
                         </a:solidFill>
-                        <a:latin typeface="맑은 고딕" pitchFamily="50" charset="-127"/>
+                        <a:latin typeface="Oswald" pitchFamily="2" charset="0"/>
                         <a:ea typeface="맑은 고딕" pitchFamily="50" charset="-127"/>
                       </a:endParaRPr>
                     </a:p>
@@ -12478,7 +12459,7 @@
                           <a:solidFill>
                             <a:schemeClr val="bg1"/>
                           </a:solidFill>
-                          <a:latin typeface="맑은 고딕" pitchFamily="50" charset="-127"/>
+                          <a:latin typeface="Oswald" pitchFamily="2" charset="0"/>
                           <a:ea typeface="맑은 고딕" pitchFamily="50" charset="-127"/>
                         </a:rPr>
                         <a:t>T1</a:t>
@@ -12487,7 +12468,7 @@
                         <a:solidFill>
                           <a:schemeClr val="bg1"/>
                         </a:solidFill>
-                        <a:latin typeface="맑은 고딕" pitchFamily="50" charset="-127"/>
+                        <a:latin typeface="Oswald" pitchFamily="2" charset="0"/>
                         <a:ea typeface="맑은 고딕" pitchFamily="50" charset="-127"/>
                       </a:endParaRPr>
                     </a:p>
@@ -12548,7 +12529,7 @@
                           <a:solidFill>
                             <a:schemeClr val="bg1"/>
                           </a:solidFill>
-                          <a:latin typeface="맑은 고딕" pitchFamily="50" charset="-127"/>
+                          <a:latin typeface="Oswald" pitchFamily="2" charset="0"/>
                           <a:ea typeface="맑은 고딕" pitchFamily="50" charset="-127"/>
                         </a:rPr>
                         <a:t>T2</a:t>
@@ -12557,7 +12538,7 @@
                         <a:solidFill>
                           <a:schemeClr val="bg1"/>
                         </a:solidFill>
-                        <a:latin typeface="맑은 고딕" pitchFamily="50" charset="-127"/>
+                        <a:latin typeface="Oswald" pitchFamily="2" charset="0"/>
                         <a:ea typeface="맑은 고딕" pitchFamily="50" charset="-127"/>
                       </a:endParaRPr>
                     </a:p>
@@ -12618,7 +12599,7 @@
                           <a:solidFill>
                             <a:schemeClr val="bg1"/>
                           </a:solidFill>
-                          <a:latin typeface="맑은 고딕" pitchFamily="50" charset="-127"/>
+                          <a:latin typeface="Oswald" pitchFamily="2" charset="0"/>
                           <a:ea typeface="맑은 고딕" pitchFamily="50" charset="-127"/>
                         </a:rPr>
                         <a:t>T3</a:t>
@@ -12627,7 +12608,7 @@
                         <a:solidFill>
                           <a:schemeClr val="bg1"/>
                         </a:solidFill>
-                        <a:latin typeface="맑은 고딕" pitchFamily="50" charset="-127"/>
+                        <a:latin typeface="Oswald" pitchFamily="2" charset="0"/>
                         <a:ea typeface="맑은 고딕" pitchFamily="50" charset="-127"/>
                       </a:endParaRPr>
                     </a:p>
@@ -12688,7 +12669,7 @@
                           <a:solidFill>
                             <a:schemeClr val="bg1"/>
                           </a:solidFill>
-                          <a:latin typeface="맑은 고딕" pitchFamily="50" charset="-127"/>
+                          <a:latin typeface="Oswald" pitchFamily="2" charset="0"/>
                           <a:ea typeface="맑은 고딕" pitchFamily="50" charset="-127"/>
                         </a:rPr>
                         <a:t>T4</a:t>
@@ -12697,7 +12678,7 @@
                         <a:solidFill>
                           <a:schemeClr val="bg1"/>
                         </a:solidFill>
-                        <a:latin typeface="맑은 고딕" pitchFamily="50" charset="-127"/>
+                        <a:latin typeface="Oswald" pitchFamily="2" charset="0"/>
                         <a:ea typeface="맑은 고딕" pitchFamily="50" charset="-127"/>
                       </a:endParaRPr>
                     </a:p>
@@ -12765,7 +12746,7 @@
                           <a:solidFill>
                             <a:schemeClr val="tx1"/>
                           </a:solidFill>
-                          <a:latin typeface="맑은 고딕" pitchFamily="50" charset="-127"/>
+                          <a:latin typeface="Oswald" pitchFamily="2" charset="0"/>
                           <a:ea typeface="맑은 고딕" pitchFamily="50" charset="-127"/>
                         </a:rPr>
                         <a:t>L1</a:t>
@@ -12774,7 +12755,7 @@
                         <a:solidFill>
                           <a:schemeClr val="tx1"/>
                         </a:solidFill>
-                        <a:latin typeface="맑은 고딕" pitchFamily="50" charset="-127"/>
+                        <a:latin typeface="Oswald" pitchFamily="2" charset="0"/>
                         <a:ea typeface="맑은 고딕" pitchFamily="50" charset="-127"/>
                       </a:endParaRPr>
                     </a:p>
@@ -12832,7 +12813,7 @@
                           <a:solidFill>
                             <a:schemeClr val="tx1"/>
                           </a:solidFill>
-                          <a:latin typeface="맑은 고딕" pitchFamily="50" charset="-127"/>
+                          <a:latin typeface="Oswald" pitchFamily="2" charset="0"/>
                           <a:ea typeface="맑은 고딕" pitchFamily="50" charset="-127"/>
                         </a:rPr>
                         <a:t>yes</a:t>
@@ -12841,7 +12822,7 @@
                         <a:solidFill>
                           <a:schemeClr val="tx1"/>
                         </a:solidFill>
-                        <a:latin typeface="맑은 고딕" pitchFamily="50" charset="-127"/>
+                        <a:latin typeface="Oswald" pitchFamily="2" charset="0"/>
                         <a:ea typeface="맑은 고딕" pitchFamily="50" charset="-127"/>
                       </a:endParaRPr>
                     </a:p>
@@ -12899,7 +12880,7 @@
                           <a:solidFill>
                             <a:schemeClr val="tx1"/>
                           </a:solidFill>
-                          <a:latin typeface="맑은 고딕" pitchFamily="50" charset="-127"/>
+                          <a:latin typeface="Oswald" pitchFamily="2" charset="0"/>
                           <a:ea typeface="맑은 고딕" pitchFamily="50" charset="-127"/>
                         </a:rPr>
                         <a:t>yes</a:t>
@@ -12908,7 +12889,7 @@
                         <a:solidFill>
                           <a:schemeClr val="tx1"/>
                         </a:solidFill>
-                        <a:latin typeface="맑은 고딕" pitchFamily="50" charset="-127"/>
+                        <a:latin typeface="Oswald" pitchFamily="2" charset="0"/>
                         <a:ea typeface="맑은 고딕" pitchFamily="50" charset="-127"/>
                       </a:endParaRPr>
                     </a:p>
@@ -12966,7 +12947,7 @@
                           <a:solidFill>
                             <a:schemeClr val="tx1"/>
                           </a:solidFill>
-                          <a:latin typeface="맑은 고딕" pitchFamily="50" charset="-127"/>
+                          <a:latin typeface="Oswald" pitchFamily="2" charset="0"/>
                           <a:ea typeface="맑은 고딕" pitchFamily="50" charset="-127"/>
                         </a:rPr>
                         <a:t>yes</a:t>
@@ -13042,7 +13023,7 @@
                           <a:solidFill>
                             <a:schemeClr val="tx1"/>
                           </a:solidFill>
-                          <a:latin typeface="맑은 고딕" pitchFamily="50" charset="-127"/>
+                          <a:latin typeface="Oswald" pitchFamily="2" charset="0"/>
                           <a:ea typeface="맑은 고딕" pitchFamily="50" charset="-127"/>
                         </a:rPr>
                         <a:t>no</a:t>
@@ -13109,7 +13090,7 @@
                           <a:solidFill>
                             <a:schemeClr val="tx1"/>
                           </a:solidFill>
-                          <a:latin typeface="맑은 고딕" pitchFamily="50" charset="-127"/>
+                          <a:latin typeface="Oswald" pitchFamily="2" charset="0"/>
                           <a:ea typeface="맑은 고딕" pitchFamily="50" charset="-127"/>
                         </a:rPr>
                         <a:t>L2</a:t>
@@ -13118,7 +13099,7 @@
                         <a:solidFill>
                           <a:schemeClr val="tx1"/>
                         </a:solidFill>
-                        <a:latin typeface="맑은 고딕" pitchFamily="50" charset="-127"/>
+                        <a:latin typeface="Oswald" pitchFamily="2" charset="0"/>
                         <a:ea typeface="맑은 고딕" pitchFamily="50" charset="-127"/>
                       </a:endParaRPr>
                     </a:p>
@@ -13176,7 +13157,7 @@
                           <a:solidFill>
                             <a:schemeClr val="tx1"/>
                           </a:solidFill>
-                          <a:latin typeface="맑은 고딕" pitchFamily="50" charset="-127"/>
+                          <a:latin typeface="Oswald" pitchFamily="2" charset="0"/>
                           <a:ea typeface="맑은 고딕" pitchFamily="50" charset="-127"/>
                         </a:rPr>
                         <a:t>yes</a:t>
@@ -13185,7 +13166,7 @@
                         <a:solidFill>
                           <a:schemeClr val="tx1"/>
                         </a:solidFill>
-                        <a:latin typeface="맑은 고딕" pitchFamily="50" charset="-127"/>
+                        <a:latin typeface="Oswald" pitchFamily="2" charset="0"/>
                         <a:ea typeface="맑은 고딕" pitchFamily="50" charset="-127"/>
                       </a:endParaRPr>
                     </a:p>
@@ -13243,7 +13224,7 @@
                           <a:solidFill>
                             <a:schemeClr val="tx1"/>
                           </a:solidFill>
-                          <a:latin typeface="맑은 고딕" pitchFamily="50" charset="-127"/>
+                          <a:latin typeface="Oswald" pitchFamily="2" charset="0"/>
                           <a:ea typeface="맑은 고딕" pitchFamily="50" charset="-127"/>
                         </a:rPr>
                         <a:t>yes</a:t>
@@ -13252,7 +13233,7 @@
                         <a:solidFill>
                           <a:schemeClr val="tx1"/>
                         </a:solidFill>
-                        <a:latin typeface="맑은 고딕" pitchFamily="50" charset="-127"/>
+                        <a:latin typeface="Oswald" pitchFamily="2" charset="0"/>
                         <a:ea typeface="맑은 고딕" pitchFamily="50" charset="-127"/>
                       </a:endParaRPr>
                     </a:p>
@@ -13310,7 +13291,7 @@
                           <a:solidFill>
                             <a:schemeClr val="tx1"/>
                           </a:solidFill>
-                          <a:latin typeface="맑은 고딕" pitchFamily="50" charset="-127"/>
+                          <a:latin typeface="Oswald" pitchFamily="2" charset="0"/>
                           <a:ea typeface="맑은 고딕" pitchFamily="50" charset="-127"/>
                         </a:rPr>
                         <a:t>yes</a:t>
@@ -13319,7 +13300,7 @@
                         <a:solidFill>
                           <a:schemeClr val="tx1"/>
                         </a:solidFill>
-                        <a:latin typeface="맑은 고딕" pitchFamily="50" charset="-127"/>
+                        <a:latin typeface="Oswald" pitchFamily="2" charset="0"/>
                         <a:ea typeface="맑은 고딕" pitchFamily="50" charset="-127"/>
                       </a:endParaRPr>
                     </a:p>
@@ -13393,7 +13374,7 @@
                           <a:solidFill>
                             <a:schemeClr val="tx1"/>
                           </a:solidFill>
-                          <a:latin typeface="맑은 고딕" pitchFamily="50" charset="-127"/>
+                          <a:latin typeface="Oswald" pitchFamily="2" charset="0"/>
                           <a:ea typeface="맑은 고딕" pitchFamily="50" charset="-127"/>
                         </a:rPr>
                         <a:t>no</a:t>
@@ -13895,10 +13876,7 @@
               <a:rPr lang="en-US" altLang="ko-KR" i="1" dirty="0"/>
               <a:t>take some action</a:t>
             </a:r>
-            <a:r>
-              <a:rPr lang="en-US" altLang="ko-KR" dirty="0"/>
-              <a:t>.</a:t>
-            </a:r>
+            <a:endParaRPr lang="en-US" altLang="ko-KR" dirty="0"/>
           </a:p>
           <a:p>
             <a:pPr lvl="1"/>
@@ -13908,7 +13886,7 @@
             </a:r>
             <a:r>
               <a:rPr lang="en-US" altLang="ko-KR" dirty="0"/>
-              <a:t>: if an OS froze, you would reboot it.</a:t>
+              <a:t>: if an OS froze, you would reboot it</a:t>
             </a:r>
           </a:p>
           <a:p>
@@ -13932,10 +13910,7 @@
               <a:rPr lang="en-US" altLang="ko-KR" i="1" dirty="0"/>
               <a:t>recovery technique</a:t>
             </a:r>
-            <a:r>
-              <a:rPr lang="en-US" altLang="ko-KR" dirty="0"/>
-              <a:t>.</a:t>
-            </a:r>
+            <a:endParaRPr lang="en-US" altLang="ko-KR" dirty="0"/>
           </a:p>
           <a:p>
             <a:pPr lvl="1"/>
@@ -13947,10 +13922,7 @@
               <a:rPr lang="en-US" altLang="ko-KR" b="1" dirty="0"/>
               <a:t>runs periodically</a:t>
             </a:r>
-            <a:r>
-              <a:rPr lang="en-US" altLang="ko-KR" dirty="0"/>
-              <a:t>.</a:t>
-            </a:r>
+            <a:endParaRPr lang="en-US" altLang="ko-KR" dirty="0"/>
           </a:p>
           <a:p>
             <a:pPr lvl="1"/>
@@ -13964,7 +13936,7 @@
             </a:r>
             <a:r>
               <a:rPr lang="en-US" altLang="ko-KR" dirty="0"/>
-              <a:t>and checking it for cycles.</a:t>
+              <a:t>and checking it for cycles</a:t>
             </a:r>
           </a:p>
           <a:p>
@@ -13977,10 +13949,7 @@
               <a:rPr lang="en-US" altLang="ko-KR" b="1" dirty="0"/>
               <a:t>need to be restarted</a:t>
             </a:r>
-            <a:r>
-              <a:rPr lang="en-US" altLang="ko-KR" dirty="0"/>
-              <a:t>.</a:t>
-            </a:r>
+            <a:endParaRPr lang="en-US" altLang="ko-KR" dirty="0"/>
           </a:p>
         </p:txBody>
       </p:sp>
@@ -14244,16 +14213,13 @@
               </a:rPr>
               <a:t>common concurrency bugs</a:t>
             </a:r>
+            <a:endParaRPr lang="en-US" altLang="ko-KR" dirty="0"/>
+          </a:p>
+          <a:p>
+            <a:pPr lvl="1"/>
             <a:r>
               <a:rPr lang="en-US" altLang="ko-KR" dirty="0"/>
-              <a:t>.</a:t>
-            </a:r>
-          </a:p>
-          <a:p>
-            <a:pPr lvl="1"/>
-            <a:r>
-              <a:rPr lang="en-US" altLang="ko-KR" dirty="0"/>
-              <a:t>Take a brief look at some example concurrency problems found in real code bases.</a:t>
+              <a:t>Take a brief look at some example concurrency problems found in real code bases</a:t>
             </a:r>
             <a:endParaRPr lang="ko-KR" altLang="en-US" dirty="0"/>
           </a:p>
@@ -14339,7 +14305,7 @@
             <a:pPr lvl="1"/>
             <a:r>
               <a:rPr lang="en-US" altLang="ko-KR" dirty="0"/>
-              <a:t>MySQL, Apache, Mozilla, OpenOffice.</a:t>
+              <a:t>MySQL, Apache, Mozilla, OpenOffice</a:t>
             </a:r>
           </a:p>
           <a:p>
@@ -16170,7 +16136,7 @@
             </a:r>
             <a:r>
               <a:rPr lang="en-US" altLang="ko-KR" dirty="0"/>
-              <a:t>bugs.</a:t>
+              <a:t>bugs</a:t>
             </a:r>
           </a:p>
           <a:p>
@@ -16272,7 +16238,7 @@
               <a:t>The desired </a:t>
             </a:r>
             <a:r>
-              <a:rPr lang="en-US" altLang="ko-KR" b="1" dirty="0" err="1"/>
+              <a:rPr lang="en-US" altLang="ko-KR" b="1" dirty="0"/>
               <a:t>serializability</a:t>
             </a:r>
             <a:r>
@@ -16283,10 +16249,7 @@
               <a:rPr lang="en-US" altLang="ko-KR" i="1" dirty="0"/>
               <a:t>violated</a:t>
             </a:r>
-            <a:r>
-              <a:rPr lang="en-US" altLang="ko-KR" dirty="0"/>
-              <a:t>. </a:t>
-            </a:r>
+            <a:endParaRPr lang="en-US" altLang="ko-KR" dirty="0"/>
           </a:p>
           <a:p>
             <a:pPr lvl="1"/>
@@ -16313,30 +16276,20 @@
               <a:t> in the </a:t>
             </a:r>
             <a:r>
+              <a:rPr lang="en-US" altLang="ko-KR" dirty="0">
+                <a:latin typeface="Courier New" panose="02070309020205020404" pitchFamily="49" charset="0"/>
+                <a:cs typeface="Courier New" panose="02070309020205020404" pitchFamily="49" charset="0"/>
+              </a:rPr>
+              <a:t>struct </a:t>
+            </a:r>
+            <a:r>
               <a:rPr lang="en-US" altLang="ko-KR" dirty="0" err="1">
                 <a:latin typeface="Courier New" panose="02070309020205020404" pitchFamily="49" charset="0"/>
                 <a:cs typeface="Courier New" panose="02070309020205020404" pitchFamily="49" charset="0"/>
               </a:rPr>
-              <a:t>struct</a:t>
-            </a:r>
-            <a:r>
-              <a:rPr lang="en-US" altLang="ko-KR" dirty="0">
-                <a:latin typeface="Courier New" panose="02070309020205020404" pitchFamily="49" charset="0"/>
-                <a:cs typeface="Courier New" panose="02070309020205020404" pitchFamily="49" charset="0"/>
-              </a:rPr>
-              <a:t> </a:t>
-            </a:r>
-            <a:r>
-              <a:rPr lang="en-US" altLang="ko-KR" dirty="0" err="1">
-                <a:latin typeface="Courier New" panose="02070309020205020404" pitchFamily="49" charset="0"/>
-                <a:cs typeface="Courier New" panose="02070309020205020404" pitchFamily="49" charset="0"/>
-              </a:rPr>
               <a:t>thd</a:t>
             </a:r>
-            <a:r>
-              <a:rPr lang="en-US" altLang="ko-KR" dirty="0"/>
-              <a:t>.</a:t>
-            </a:r>
+            <a:endParaRPr lang="en-US" altLang="ko-KR" dirty="0"/>
           </a:p>
           <a:p>
             <a:endParaRPr lang="ko-KR" altLang="en-US" dirty="0"/>
@@ -16840,6 +16793,94 @@
           </a:p>
         </p:txBody>
       </p:sp>
+      <p:cxnSp>
+        <p:nvCxnSpPr>
+          <p:cNvPr id="5" name="Straight Arrow Connector 4">
+            <a:extLst>
+              <a:ext uri="{FF2B5EF4-FFF2-40B4-BE49-F238E27FC236}">
+                <a16:creationId xmlns:a16="http://schemas.microsoft.com/office/drawing/2014/main" id="{65969136-B682-43C1-A0D2-262904E44A5F}"/>
+              </a:ext>
+            </a:extLst>
+          </p:cNvPr>
+          <p:cNvCxnSpPr/>
+          <p:nvPr/>
+        </p:nvCxnSpPr>
+        <p:spPr>
+          <a:xfrm>
+            <a:off x="2423592" y="3573016"/>
+            <a:ext cx="1512168" cy="0"/>
+          </a:xfrm>
+          <a:prstGeom prst="straightConnector1">
+            <a:avLst/>
+          </a:prstGeom>
+          <a:ln>
+            <a:tailEnd type="triangle"/>
+          </a:ln>
+        </p:spPr>
+        <p:style>
+          <a:lnRef idx="1">
+            <a:schemeClr val="accent1"/>
+          </a:lnRef>
+          <a:fillRef idx="0">
+            <a:schemeClr val="accent1"/>
+          </a:fillRef>
+          <a:effectRef idx="0">
+            <a:schemeClr val="accent1"/>
+          </a:effectRef>
+          <a:fontRef idx="minor">
+            <a:schemeClr val="tx1"/>
+          </a:fontRef>
+        </p:style>
+      </p:cxnSp>
+      <p:sp>
+        <p:nvSpPr>
+          <p:cNvPr id="7" name="TextBox 6">
+            <a:extLst>
+              <a:ext uri="{FF2B5EF4-FFF2-40B4-BE49-F238E27FC236}">
+                <a16:creationId xmlns:a16="http://schemas.microsoft.com/office/drawing/2014/main" id="{25962286-8182-4D54-9F4E-38C89C86E719}"/>
+              </a:ext>
+            </a:extLst>
+          </p:cNvPr>
+          <p:cNvSpPr txBox="1"/>
+          <p:nvPr/>
+        </p:nvSpPr>
+        <p:spPr>
+          <a:xfrm>
+            <a:off x="190500" y="3367363"/>
+            <a:ext cx="2377107" cy="646331"/>
+          </a:xfrm>
+          <a:prstGeom prst="rect">
+            <a:avLst/>
+          </a:prstGeom>
+          <a:noFill/>
+        </p:spPr>
+        <p:txBody>
+          <a:bodyPr wrap="square" rtlCol="0">
+            <a:spAutoFit/>
+          </a:bodyPr>
+          <a:lstStyle/>
+          <a:p>
+            <a:r>
+              <a:rPr lang="en-PH" dirty="0">
+                <a:latin typeface="Oswald" pitchFamily="2" charset="0"/>
+              </a:rPr>
+              <a:t>What if </a:t>
+            </a:r>
+            <a:r>
+              <a:rPr lang="en-PH" b="1" dirty="0">
+                <a:latin typeface="Oswald" pitchFamily="2" charset="0"/>
+              </a:rPr>
+              <a:t>Thread2</a:t>
+            </a:r>
+            <a:r>
+              <a:rPr lang="en-PH" dirty="0">
+                <a:latin typeface="Oswald" pitchFamily="2" charset="0"/>
+              </a:rPr>
+              <a:t> gets the CPU at this point?!</a:t>
+            </a:r>
+          </a:p>
+        </p:txBody>
+      </p:sp>
     </p:spTree>
     <p:extLst>
       <p:ext uri="{BB962C8B-B14F-4D97-AF65-F5344CB8AC3E}">
@@ -16917,7 +16958,7 @@
             </a:r>
             <a:r>
               <a:rPr lang="en-US" altLang="ko-KR" dirty="0"/>
-              <a:t>: Simply add locks around the shared-variable references.</a:t>
+              <a:t>: Simply add locks around the shared-variable references</a:t>
             </a:r>
             <a:endParaRPr lang="ko-KR" altLang="en-US" dirty="0"/>
           </a:p>

--- a/cmsc125/ostep/slides/02.Concurrency/32.Common_Concurrency_Problems.pptx
+++ b/cmsc125/ostep/slides/02.Concurrency/32.Common_Concurrency_Problems.pptx
@@ -265,7 +265,7 @@
           <a:p>
             <a:fld id="{050F0499-AE52-4672-879B-3107B2FC2A9F}" type="datetimeFigureOut">
               <a:rPr lang="ko-KR" altLang="en-US" smtClean="0"/>
-              <a:t>2021-12-29</a:t>
+              <a:t>2021-12-30</a:t>
             </a:fld>
             <a:endParaRPr lang="ko-KR" altLang="en-US"/>
           </a:p>
@@ -5492,7 +5492,7 @@
           <a:p>
             <a:r>
               <a:rPr lang="en-US" altLang="ko-KR" dirty="0"/>
-              <a:t>Conditional for Deadlock</a:t>
+              <a:t>Conditions for Deadlock</a:t>
             </a:r>
             <a:endParaRPr lang="ko-KR" altLang="en-US" dirty="0"/>
           </a:p>
